--- a/agile moves/Tomatoes (TOM)/ger/apprentice/ger_TOM_02_Bin_in_einer_tomate_AM_A.pptx
+++ b/agile moves/Tomatoes (TOM)/ger/apprentice/ger_TOM_02_Bin_in_einer_tomate_AM_A.pptx
@@ -725,7 +725,7 @@
           <a:p>
             <a:fld id="{FF5B2BAF-DF38-0A48-A798-0C06E514FD52}" type="datetimeFigureOut">
               <a:rPr lang="de-DE" smtClean="0"/>
-              <a:t>29.05.15</a:t>
+              <a:t>14.08.15</a:t>
             </a:fld>
             <a:endParaRPr lang="de-DE" dirty="0"/>
           </a:p>
@@ -995,7 +995,7 @@
           <a:p>
             <a:fld id="{FF5B2BAF-DF38-0A48-A798-0C06E514FD52}" type="datetimeFigureOut">
               <a:rPr lang="de-DE" smtClean="0"/>
-              <a:t>29.05.15</a:t>
+              <a:t>14.08.15</a:t>
             </a:fld>
             <a:endParaRPr lang="de-DE" dirty="0"/>
           </a:p>
@@ -1636,6 +1636,80 @@
       </p:sp>
       <p:sp>
         <p:nvSpPr>
+          <p:cNvPr id="2" name="Untertitel 1"/>
+          <p:cNvSpPr>
+            <a:spLocks noGrp="1"/>
+          </p:cNvSpPr>
+          <p:nvPr>
+            <p:ph type="subTitle" idx="1"/>
+          </p:nvPr>
+        </p:nvSpPr>
+        <p:spPr>
+          <a:noFill/>
+        </p:spPr>
+        <p:txBody>
+          <a:bodyPr vert="horz" lIns="80678" tIns="40339" rIns="80678" bIns="40339" rtlCol="0">
+            <a:normAutofit/>
+          </a:bodyPr>
+          <a:lstStyle/>
+          <a:p>
+            <a:pPr>
+              <a:lnSpc>
+                <a:spcPct val="150000"/>
+              </a:lnSpc>
+              <a:spcBef>
+                <a:spcPts val="0"/>
+              </a:spcBef>
+              <a:buClr>
+                <a:srgbClr val="229237"/>
+              </a:buClr>
+              <a:buSzPct val="250000"/>
+            </a:pPr>
+            <a:r>
+              <a:rPr lang="de-DE" sz="1000" cap="all" dirty="0">
+                <a:solidFill>
+                  <a:srgbClr val="5D5E5F"/>
+                </a:solidFill>
+              </a:rPr>
+              <a:t>Regina </a:t>
+            </a:r>
+            <a:r>
+              <a:rPr lang="de-DE" sz="1000" cap="all" dirty="0" err="1">
+                <a:solidFill>
+                  <a:srgbClr val="5D5E5F"/>
+                </a:solidFill>
+              </a:rPr>
+              <a:t>Brandhuber</a:t>
+            </a:r>
+            <a:endParaRPr lang="de-DE" sz="1000" cap="all" dirty="0">
+              <a:solidFill>
+                <a:srgbClr val="5D5E5F"/>
+              </a:solidFill>
+            </a:endParaRPr>
+          </a:p>
+          <a:p>
+            <a:pPr>
+              <a:lnSpc>
+                <a:spcPct val="150000"/>
+              </a:lnSpc>
+              <a:spcBef>
+                <a:spcPts val="0"/>
+              </a:spcBef>
+              <a:buClr>
+                <a:srgbClr val="229237"/>
+              </a:buClr>
+              <a:buSzPct val="250000"/>
+            </a:pPr>
+            <a:endParaRPr lang="de-DE" sz="1000" cap="all" dirty="0">
+              <a:solidFill>
+                <a:srgbClr val="5D5E5F"/>
+              </a:solidFill>
+            </a:endParaRPr>
+          </a:p>
+        </p:txBody>
+      </p:sp>
+      <p:sp>
+        <p:nvSpPr>
           <p:cNvPr id="5" name="Inhaltsplatzhalter 4"/>
           <p:cNvSpPr>
             <a:spLocks noGrp="1"/>
@@ -1644,12 +1718,7 @@
             <p:ph idx="13"/>
           </p:nvPr>
         </p:nvSpPr>
-        <p:spPr>
-          <a:xfrm>
-            <a:off x="858838" y="1568452"/>
-            <a:ext cx="6351924" cy="3450000"/>
-          </a:xfrm>
-        </p:spPr>
+        <p:spPr/>
         <p:txBody>
           <a:bodyPr>
             <a:noAutofit/>
@@ -1657,116 +1726,270 @@
           <a:lstStyle/>
           <a:p>
             <a:r>
-              <a:rPr lang="de-DE" sz="1050" dirty="0"/>
-              <a:t>Du kannst die Tomate zu einem Schutzraum für Deine Konzentration machen. Dazu braucht es Training, wie Du mit Störern und </a:t>
-            </a:r>
-            <a:r>
-              <a:rPr lang="de-DE" sz="1050" dirty="0" err="1"/>
+              <a:rPr lang="de-DE" dirty="0"/>
+              <a:t>Du kannst die </a:t>
+            </a:r>
+            <a:r>
+              <a:rPr lang="de-DE" dirty="0" smtClean="0"/>
+              <a:t>Tomate</a:t>
+            </a:r>
+            <a:r>
+              <a:rPr lang="de-DE" baseline="30000" dirty="0" smtClean="0"/>
+              <a:t>1</a:t>
+            </a:r>
+            <a:r>
+              <a:rPr lang="de-DE" dirty="0" smtClean="0"/>
+              <a:t> </a:t>
+            </a:r>
+            <a:r>
+              <a:rPr lang="de-DE" dirty="0"/>
+              <a:t>zu einem Schutzraum für Deine Konzentration machen. Dazu braucht es Training, wie Du mit Störern und </a:t>
+            </a:r>
+            <a:r>
+              <a:rPr lang="de-DE" dirty="0" err="1"/>
               <a:t>Ablenkern</a:t>
             </a:r>
             <a:r>
-              <a:rPr lang="de-DE" sz="1050" dirty="0"/>
+              <a:rPr lang="de-DE" dirty="0"/>
               <a:t> umgehen kannst. </a:t>
             </a:r>
           </a:p>
           <a:p>
             <a:r>
-              <a:rPr lang="de-DE" sz="1050" dirty="0"/>
-              <a:t>Störer sind Unterbrechungen von außen, z.B. Telefon, Klingel, die eigenen Kinder, Arbeitskollegen, etc. </a:t>
-            </a:r>
-            <a:endParaRPr lang="de-DE" sz="1050" dirty="0" smtClean="0"/>
-          </a:p>
-          <a:p>
-            <a:r>
-              <a:rPr lang="de-DE" sz="1050" dirty="0" err="1"/>
+              <a:rPr lang="de-DE" dirty="0"/>
+              <a:t>Störer sind Unterbrechungen von außen, z.B. Telefon, Klingel, Mitbewohner, Arbeitskollegen, etc. </a:t>
+            </a:r>
+          </a:p>
+          <a:p>
+            <a:r>
+              <a:rPr lang="de-DE" dirty="0" err="1"/>
               <a:t>Ablenker</a:t>
             </a:r>
             <a:r>
-              <a:rPr lang="de-DE" sz="1050" dirty="0"/>
-              <a:t> sind Impulse oder Gedanken, die aus Dir heraus entstehen und das Ziel der Tomate nicht unmittelbar verfolgen. </a:t>
-            </a:r>
-            <a:endParaRPr lang="de-DE" sz="1050" dirty="0" smtClean="0"/>
-          </a:p>
-          <a:p>
-            <a:r>
-              <a:rPr lang="de-DE" sz="1050" dirty="0"/>
+              <a:rPr lang="de-DE" dirty="0"/>
+              <a:t> sind Impulse oder Gedanken, die aus Dir heraus entstehen, und das Ziel der Tomate nicht unmittelbar verfolgen. </a:t>
+            </a:r>
+          </a:p>
+          <a:p>
+            <a:r>
+              <a:rPr lang="de-DE" dirty="0"/>
               <a:t>Beide Ereignisse unterbrechen Deine Konzentration. Im einen Fall brauche ich einen passenden Umgang mit meinem Umfeld und im anderen Fall Training, um bei der Sache bleiben zu können.  </a:t>
             </a:r>
-            <a:endParaRPr lang="de-DE" sz="1050" dirty="0" smtClean="0"/>
-          </a:p>
-          <a:p>
-            <a:r>
-              <a:rPr lang="de-DE" sz="1050" dirty="0"/>
+          </a:p>
+          <a:p>
+            <a:r>
+              <a:rPr lang="de-DE" dirty="0"/>
               <a:t>Mögliche Lösungen für Störer: </a:t>
             </a:r>
-            <a:endParaRPr lang="de-DE" sz="1050" dirty="0" smtClean="0"/>
-          </a:p>
-          <a:p>
-            <a:pPr marL="641756" lvl="2" indent="-263525"/>
+          </a:p>
+          <a:p>
+            <a:pPr lvl="1"/>
             <a:r>
               <a:rPr lang="de-DE" dirty="0"/>
-              <a:t>Telefon während einer Tomate ausschalten oder ignorieren, um in der Tomatenpause zurückzurufen</a:t>
+              <a:t>Telefon während einer Tomate ausschalten oder ignorieren, um nach der Tomate zurückzurufen.</a:t>
+            </a:r>
+          </a:p>
+          <a:p>
+            <a:pPr lvl="1"/>
+            <a:r>
+              <a:rPr lang="de-DE" dirty="0"/>
+              <a:t>Arbeitskollegen und Mitbewohner die Tomatentechnik erklären. Evtl. ein Schild auf den Schreibtisch stellen oder an die Tür hängen, dass man nicht gestört werden möchte. </a:t>
+            </a:r>
+          </a:p>
+          <a:p>
+            <a:pPr lvl="1"/>
+            <a:r>
+              <a:rPr lang="de-DE" dirty="0"/>
+              <a:t>In Ausnahmefällen kann man die Tomate stoppen. Überlege aber genau, was ein echter Ausnahmefall ist. Sobald das Notwendigste geregelt ist, lässt man den </a:t>
+            </a:r>
+            <a:r>
+              <a:rPr lang="de-DE" dirty="0" err="1"/>
+              <a:t>Timer</a:t>
+            </a:r>
+            <a:r>
+              <a:rPr lang="de-DE" dirty="0"/>
+              <a:t> weiterlaufen. Die Tomate sollte möglichst kurz unterbrochen werden, um den Konzentrationsfaden nicht abreißen zu lassen.</a:t>
+            </a:r>
+          </a:p>
+          <a:p>
+            <a:r>
+              <a:rPr lang="de-DE" dirty="0"/>
+              <a:t>Möglicher Umgang mit Unterbrechungen: </a:t>
+            </a:r>
+          </a:p>
+          <a:p>
+            <a:pPr lvl="1"/>
+            <a:r>
+              <a:rPr lang="de-DE" dirty="0"/>
+              <a:t>Tomate wird verworfen und man beginnt nach Unterbrechung immer eine neue Tomate. </a:t>
+            </a:r>
+          </a:p>
+          <a:p>
+            <a:pPr lvl="1"/>
+            <a:r>
+              <a:rPr lang="de-DE" dirty="0"/>
+              <a:t>Tomate kann eine bis fünf Minuten unterbrochen werden und läuft dann wieder weiter</a:t>
             </a:r>
             <a:r>
               <a:rPr lang="de-DE" dirty="0" smtClean="0"/>
               <a:t>.</a:t>
             </a:r>
-          </a:p>
-          <a:p>
-            <a:pPr marL="641756" lvl="2" indent="-263525"/>
-            <a:r>
-              <a:rPr lang="de-DE" dirty="0" smtClean="0"/>
-              <a:t>Arbeitskollegen </a:t>
-            </a:r>
-            <a:r>
-              <a:rPr lang="de-DE" dirty="0"/>
-              <a:t>und Familienmitglieder die Tomatentechnik erklären. Evtl. ein Schild auf den Schreibtisch stellen oder an die Tür hängen, dass man nicht gestört werden möchte. </a:t>
-            </a:r>
-            <a:endParaRPr lang="de-DE" dirty="0" smtClean="0"/>
-          </a:p>
-          <a:p>
-            <a:pPr marL="641756" lvl="2" indent="-263525"/>
-            <a:r>
-              <a:rPr lang="de-DE" dirty="0"/>
-              <a:t>In Ausnahmefällen kann man die Tomate stoppen. Überlege aber genau, was ein echter Ausnahmefall ist. Sobald das Notwendigste geregelt ist, lässt man den </a:t>
-            </a:r>
-            <a:r>
-              <a:rPr lang="de-DE" dirty="0" err="1"/>
-              <a:t>Timer</a:t>
-            </a:r>
-            <a:r>
-              <a:rPr lang="de-DE" dirty="0"/>
-              <a:t> weiterlaufen. Die Tomate sollte höchstens kurz unterbrochen werden, um den Konzentrationsfaden nicht abreißen zu lassen</a:t>
-            </a:r>
-            <a:r>
-              <a:rPr lang="de-DE" dirty="0" smtClean="0"/>
-              <a:t>.</a:t>
-            </a:r>
-          </a:p>
-          <a:p>
-            <a:r>
-              <a:rPr lang="de-DE" sz="1050" dirty="0"/>
-              <a:t>Möglicher Umgang mit Unterbrechungen: </a:t>
-            </a:r>
-          </a:p>
-          <a:p>
-            <a:pPr marL="641756" lvl="2" indent="-263525"/>
-            <a:r>
-              <a:rPr lang="de-DE" dirty="0"/>
-              <a:t>Tomate wird verworfen und man beginnt nach Unterbrechung immer eine neue Tomate. </a:t>
-            </a:r>
-            <a:endParaRPr lang="de-DE" dirty="0" smtClean="0"/>
-          </a:p>
-          <a:p>
-            <a:pPr marL="641756" lvl="2" indent="-263525"/>
-            <a:r>
-              <a:rPr lang="de-DE" dirty="0"/>
-              <a:t>Tomate kann eine bis fünf Minuten unterbrochen werden und läuft dann wieder </a:t>
-            </a:r>
-            <a:r>
-              <a:rPr lang="de-DE" dirty="0" smtClean="0"/>
-              <a:t>weiter</a:t>
-            </a:r>
+            <a:endParaRPr lang="de-DE" dirty="0"/>
+          </a:p>
+        </p:txBody>
+      </p:sp>
+      <p:sp>
+        <p:nvSpPr>
+          <p:cNvPr id="6" name="Fußzeilenplatzhalter 19"/>
+          <p:cNvSpPr txBox="1">
+            <a:spLocks/>
+          </p:cNvSpPr>
+          <p:nvPr/>
+        </p:nvSpPr>
+        <p:spPr>
+          <a:xfrm>
+            <a:off x="5067029" y="4776480"/>
+            <a:ext cx="1775894" cy="283817"/>
+          </a:xfrm>
+          <a:prstGeom prst="rect">
+            <a:avLst/>
+          </a:prstGeom>
+        </p:spPr>
+        <p:txBody>
+          <a:bodyPr/>
+          <a:lstStyle>
+            <a:defPPr>
+              <a:defRPr lang="de-DE"/>
+            </a:defPPr>
+            <a:lvl1pPr marL="0" algn="l" defTabSz="403388" rtl="0" eaLnBrk="1" latinLnBrk="0" hangingPunct="1">
+              <a:defRPr sz="1600" kern="1200">
+                <a:solidFill>
+                  <a:schemeClr val="tx1"/>
+                </a:solidFill>
+                <a:latin typeface="+mn-lt"/>
+                <a:ea typeface="+mn-ea"/>
+                <a:cs typeface="+mn-cs"/>
+              </a:defRPr>
+            </a:lvl1pPr>
+            <a:lvl2pPr marL="403388" algn="l" defTabSz="403388" rtl="0" eaLnBrk="1" latinLnBrk="0" hangingPunct="1">
+              <a:defRPr sz="1600" kern="1200">
+                <a:solidFill>
+                  <a:schemeClr val="tx1"/>
+                </a:solidFill>
+                <a:latin typeface="+mn-lt"/>
+                <a:ea typeface="+mn-ea"/>
+                <a:cs typeface="+mn-cs"/>
+              </a:defRPr>
+            </a:lvl2pPr>
+            <a:lvl3pPr marL="806775" algn="l" defTabSz="403388" rtl="0" eaLnBrk="1" latinLnBrk="0" hangingPunct="1">
+              <a:defRPr sz="1600" kern="1200">
+                <a:solidFill>
+                  <a:schemeClr val="tx1"/>
+                </a:solidFill>
+                <a:latin typeface="+mn-lt"/>
+                <a:ea typeface="+mn-ea"/>
+                <a:cs typeface="+mn-cs"/>
+              </a:defRPr>
+            </a:lvl3pPr>
+            <a:lvl4pPr marL="1210163" algn="l" defTabSz="403388" rtl="0" eaLnBrk="1" latinLnBrk="0" hangingPunct="1">
+              <a:defRPr sz="1600" kern="1200">
+                <a:solidFill>
+                  <a:schemeClr val="tx1"/>
+                </a:solidFill>
+                <a:latin typeface="+mn-lt"/>
+                <a:ea typeface="+mn-ea"/>
+                <a:cs typeface="+mn-cs"/>
+              </a:defRPr>
+            </a:lvl4pPr>
+            <a:lvl5pPr marL="1613550" algn="l" defTabSz="403388" rtl="0" eaLnBrk="1" latinLnBrk="0" hangingPunct="1">
+              <a:defRPr sz="1600" kern="1200">
+                <a:solidFill>
+                  <a:schemeClr val="tx1"/>
+                </a:solidFill>
+                <a:latin typeface="+mn-lt"/>
+                <a:ea typeface="+mn-ea"/>
+                <a:cs typeface="+mn-cs"/>
+              </a:defRPr>
+            </a:lvl5pPr>
+            <a:lvl6pPr marL="2016938" algn="l" defTabSz="403388" rtl="0" eaLnBrk="1" latinLnBrk="0" hangingPunct="1">
+              <a:defRPr sz="1600" kern="1200">
+                <a:solidFill>
+                  <a:schemeClr val="tx1"/>
+                </a:solidFill>
+                <a:latin typeface="+mn-lt"/>
+                <a:ea typeface="+mn-ea"/>
+                <a:cs typeface="+mn-cs"/>
+              </a:defRPr>
+            </a:lvl6pPr>
+            <a:lvl7pPr marL="2420325" algn="l" defTabSz="403388" rtl="0" eaLnBrk="1" latinLnBrk="0" hangingPunct="1">
+              <a:defRPr sz="1600" kern="1200">
+                <a:solidFill>
+                  <a:schemeClr val="tx1"/>
+                </a:solidFill>
+                <a:latin typeface="+mn-lt"/>
+                <a:ea typeface="+mn-ea"/>
+                <a:cs typeface="+mn-cs"/>
+              </a:defRPr>
+            </a:lvl7pPr>
+            <a:lvl8pPr marL="2823713" algn="l" defTabSz="403388" rtl="0" eaLnBrk="1" latinLnBrk="0" hangingPunct="1">
+              <a:defRPr sz="1600" kern="1200">
+                <a:solidFill>
+                  <a:schemeClr val="tx1"/>
+                </a:solidFill>
+                <a:latin typeface="+mn-lt"/>
+                <a:ea typeface="+mn-ea"/>
+                <a:cs typeface="+mn-cs"/>
+              </a:defRPr>
+            </a:lvl8pPr>
+            <a:lvl9pPr marL="3227100" algn="l" defTabSz="403388" rtl="0" eaLnBrk="1" latinLnBrk="0" hangingPunct="1">
+              <a:defRPr sz="1600" kern="1200">
+                <a:solidFill>
+                  <a:schemeClr val="tx1"/>
+                </a:solidFill>
+                <a:latin typeface="+mn-lt"/>
+                <a:ea typeface="+mn-ea"/>
+                <a:cs typeface="+mn-cs"/>
+              </a:defRPr>
+            </a:lvl9pPr>
+          </a:lstStyle>
+          <a:p>
+            <a:r>
+              <a:rPr lang="de-DE" sz="900" baseline="30000" dirty="0" smtClean="0">
+                <a:solidFill>
+                  <a:schemeClr val="bg1">
+                    <a:lumMod val="65000"/>
+                  </a:schemeClr>
+                </a:solidFill>
+              </a:rPr>
+              <a:t>1</a:t>
+            </a:r>
+            <a:r>
+              <a:rPr lang="de-DE" sz="900" dirty="0" smtClean="0">
+                <a:solidFill>
+                  <a:schemeClr val="bg1">
+                    <a:lumMod val="65000"/>
+                  </a:schemeClr>
+                </a:solidFill>
+              </a:rPr>
+              <a:t>  </a:t>
+            </a:r>
+            <a:r>
+              <a:rPr lang="de-DE" sz="900" dirty="0" err="1" smtClean="0">
+                <a:solidFill>
+                  <a:schemeClr val="bg1">
+                    <a:lumMod val="65000"/>
+                  </a:schemeClr>
+                </a:solidFill>
+              </a:rPr>
+              <a:t>www.pomodorotechnique.com</a:t>
+            </a:r>
+            <a:endParaRPr lang="de-DE" sz="900" dirty="0">
+              <a:solidFill>
+                <a:schemeClr val="bg1">
+                  <a:lumMod val="65000"/>
+                </a:schemeClr>
+              </a:solidFill>
+            </a:endParaRPr>
           </a:p>
         </p:txBody>
       </p:sp>
@@ -1815,124 +2038,140 @@
           <a:bodyPr/>
           <a:lstStyle/>
           <a:p>
-            <a:pPr>
+            <a:r>
+              <a:rPr lang="de-DE" sz="1200" dirty="0"/>
+              <a:t>Schreibe </a:t>
+            </a:r>
+            <a:r>
+              <a:rPr lang="de-DE" sz="1200" dirty="0" smtClean="0"/>
+              <a:t>zwei </a:t>
+            </a:r>
+            <a:r>
+              <a:rPr lang="de-DE" sz="1200" dirty="0"/>
+              <a:t>Wochen lang zu jeder Tomate eine Liste mit Deinen Störern und </a:t>
+            </a:r>
+            <a:r>
+              <a:rPr lang="de-DE" sz="1200" dirty="0" smtClean="0"/>
+              <a:t>Ablenkern</a:t>
+            </a:r>
+            <a:r>
+              <a:rPr lang="de-DE" sz="1200" baseline="30000" dirty="0" smtClean="0"/>
+              <a:t>2</a:t>
+            </a:r>
+            <a:r>
+              <a:rPr lang="de-DE" sz="1200" dirty="0" smtClean="0"/>
+              <a:t>.</a:t>
+            </a:r>
+            <a:r>
+              <a:rPr lang="de-DE" sz="1200" dirty="0"/>
+              <a:t> </a:t>
+            </a:r>
+          </a:p>
+          <a:p>
+            <a:r>
+              <a:rPr lang="de-DE" sz="1200" dirty="0"/>
+              <a:t>Notiere zu jedem </a:t>
+            </a:r>
+            <a:r>
+              <a:rPr lang="de-DE" sz="1200" dirty="0" err="1"/>
+              <a:t>Ablenker</a:t>
+            </a:r>
+            <a:r>
+              <a:rPr lang="de-DE" sz="1200" dirty="0"/>
+              <a:t> den genauen Gedanken, der Dich ablenkte, </a:t>
+            </a:r>
+            <a:r>
+              <a:rPr lang="de-DE" sz="1200" dirty="0" smtClean="0"/>
+              <a:t/>
+            </a:r>
+            <a:br>
+              <a:rPr lang="de-DE" sz="1200" dirty="0" smtClean="0"/>
+            </a:br>
+            <a:r>
+              <a:rPr lang="de-DE" sz="1200" dirty="0" smtClean="0"/>
+              <a:t>und </a:t>
+            </a:r>
+            <a:r>
+              <a:rPr lang="de-DE" sz="1200" dirty="0"/>
+              <a:t>zu jedem Störer, wer und warum.</a:t>
+            </a:r>
+          </a:p>
+          <a:p>
+            <a:r>
+              <a:rPr lang="de-DE" sz="1200" dirty="0"/>
+              <a:t>Schau nach der Tomate Deine </a:t>
+            </a:r>
+            <a:r>
+              <a:rPr lang="de-DE" sz="1200" dirty="0" err="1"/>
+              <a:t>Ablenker</a:t>
+            </a:r>
+            <a:r>
+              <a:rPr lang="de-DE" sz="1200" dirty="0"/>
+              <a:t> nochmals durch und überlege, welche Gedanken Du in einer </a:t>
+            </a:r>
+            <a:r>
+              <a:rPr lang="de-DE" sz="1200" dirty="0" smtClean="0"/>
+              <a:t>Folgetomate aufgreifen und </a:t>
+            </a:r>
+            <a:r>
+              <a:rPr lang="de-DE" sz="1200" dirty="0"/>
+              <a:t>welche Du wegstreichen möchtest, weil es sich nicht </a:t>
+            </a:r>
+            <a:r>
+              <a:rPr lang="de-DE" sz="1200" dirty="0" smtClean="0"/>
+              <a:t>lohnt, </a:t>
+            </a:r>
+            <a:r>
+              <a:rPr lang="de-DE" sz="1200" dirty="0"/>
+              <a:t>sie weiterzuverfolgen.  </a:t>
+            </a:r>
+          </a:p>
+          <a:p>
+            <a:r>
+              <a:rPr lang="de-DE" sz="1200" dirty="0"/>
+              <a:t>Zähle Deine Störer auf der Liste zusammen und notiere für jeden Störer, </a:t>
+            </a:r>
+            <a:r>
+              <a:rPr lang="de-DE" sz="1200" dirty="0" smtClean="0"/>
+              <a:t/>
+            </a:r>
+            <a:br>
+              <a:rPr lang="de-DE" sz="1200" dirty="0" smtClean="0"/>
+            </a:br>
+            <a:r>
+              <a:rPr lang="de-DE" sz="1200" dirty="0" smtClean="0"/>
+              <a:t>welche </a:t>
+            </a:r>
+            <a:r>
+              <a:rPr lang="de-DE" sz="1200" dirty="0"/>
+              <a:t>Lösung Du dafür in der nächsten Tomate finden möchtest.</a:t>
+            </a:r>
+          </a:p>
+          <a:p>
+            <a:r>
+              <a:rPr lang="de-DE" sz="1200" dirty="0"/>
+              <a:t>Erstelle </a:t>
+            </a:r>
+            <a:r>
+              <a:rPr lang="de-DE" sz="1200" dirty="0" smtClean="0"/>
+              <a:t>acht </a:t>
+            </a:r>
+            <a:r>
+              <a:rPr lang="de-DE" sz="1200" dirty="0"/>
+              <a:t>Listen und zeige sie Deinem Team.</a:t>
+            </a:r>
+          </a:p>
+          <a:p>
+            <a:pPr marL="0" indent="0">
               <a:lnSpc>
-                <a:spcPts val="2000"/>
+                <a:spcPct val="100000"/>
               </a:lnSpc>
               <a:spcBef>
                 <a:spcPts val="1000"/>
               </a:spcBef>
+              <a:buNone/>
             </a:pPr>
-            <a:r>
-              <a:rPr lang="de-DE" sz="1200" dirty="0"/>
-              <a:t>Schreibe eine </a:t>
-            </a:r>
-            <a:r>
-              <a:rPr lang="de-DE" sz="1200" dirty="0" smtClean="0"/>
-              <a:t>Woche lang </a:t>
-            </a:r>
-            <a:r>
-              <a:rPr lang="de-DE" sz="1200" dirty="0"/>
-              <a:t>zu jeder Tomate </a:t>
-            </a:r>
-            <a:r>
-              <a:rPr lang="de-DE" sz="1200" dirty="0" smtClean="0"/>
-              <a:t>eine Strichliste</a:t>
-            </a:r>
-            <a:r>
-              <a:rPr lang="de-DE" sz="1200" dirty="0"/>
-              <a:t>, wie viele Störer und </a:t>
-            </a:r>
-            <a:r>
-              <a:rPr lang="de-DE" sz="1200" dirty="0" err="1"/>
-              <a:t>Ablenker</a:t>
-            </a:r>
-            <a:r>
-              <a:rPr lang="de-DE" sz="1200" dirty="0"/>
-              <a:t> in jeder Tomate vorhanden waren. </a:t>
-            </a:r>
-          </a:p>
-          <a:p>
-            <a:pPr>
-              <a:lnSpc>
-                <a:spcPts val="2000"/>
-              </a:lnSpc>
-              <a:spcBef>
-                <a:spcPts val="1000"/>
-              </a:spcBef>
-            </a:pPr>
-            <a:r>
-              <a:rPr lang="de-DE" sz="1200" dirty="0" smtClean="0"/>
-              <a:t>Notiere </a:t>
-            </a:r>
-            <a:r>
-              <a:rPr lang="de-DE" sz="1200" dirty="0"/>
-              <a:t>zu jedem </a:t>
-            </a:r>
-            <a:r>
-              <a:rPr lang="de-DE" sz="1200" dirty="0" err="1"/>
-              <a:t>Ablenker</a:t>
-            </a:r>
-            <a:r>
-              <a:rPr lang="de-DE" sz="1200" dirty="0"/>
-              <a:t> den Gedanken, der Dich ablenkte</a:t>
-            </a:r>
-            <a:r>
-              <a:rPr lang="de-DE" sz="1200" dirty="0" smtClean="0"/>
-              <a:t>.</a:t>
-            </a:r>
-            <a:br>
-              <a:rPr lang="de-DE" sz="1200" dirty="0" smtClean="0"/>
-            </a:br>
-            <a:r>
-              <a:rPr lang="de-DE" sz="1200" dirty="0" smtClean="0"/>
-              <a:t>Du </a:t>
-            </a:r>
-            <a:r>
-              <a:rPr lang="de-DE" sz="1200" dirty="0"/>
-              <a:t>kannst die Notiz nach der Tomate als Ideenliste für Folgetomaten verwenden und die Gedanken wegstreichen, die sich nicht für eine weitere Tomate eignen.  </a:t>
-            </a:r>
-            <a:endParaRPr lang="de-DE" sz="1200" dirty="0" smtClean="0"/>
-          </a:p>
-          <a:p>
-            <a:pPr>
-              <a:lnSpc>
-                <a:spcPts val="2000"/>
-              </a:lnSpc>
-              <a:spcBef>
-                <a:spcPts val="1000"/>
-              </a:spcBef>
-            </a:pPr>
-            <a:r>
-              <a:rPr lang="de-DE" sz="1200" dirty="0"/>
-              <a:t>Probiere spätestens nach einer Woche verschiedene Strategien aus, wie Du damit umgehen möchtest. Bleibe dabei nicht nur bei einer Möglichkeit, sondern erarbeite Dir so viele wie </a:t>
-            </a:r>
-            <a:r>
-              <a:rPr lang="de-DE" sz="1200" dirty="0" smtClean="0"/>
-              <a:t>möglich, um </a:t>
-            </a:r>
-            <a:r>
-              <a:rPr lang="de-DE" sz="1200" dirty="0"/>
-              <a:t>zu sehen, was am besten für Dich passt.   </a:t>
-            </a:r>
-          </a:p>
-          <a:p>
-            <a:pPr>
-              <a:lnSpc>
-                <a:spcPts val="2000"/>
-              </a:lnSpc>
-              <a:spcBef>
-                <a:spcPts val="1000"/>
-              </a:spcBef>
-            </a:pPr>
-            <a:r>
-              <a:rPr lang="de-DE" sz="1200" smtClean="0"/>
-              <a:t>Notiere </a:t>
-            </a:r>
-            <a:r>
-              <a:rPr lang="de-DE" sz="1200" dirty="0"/>
-              <a:t>auch hier zu jeder Tomate, welche Lösungen Du gefunden hast und bewerte sie für Dich mit eins bis fünf Sternen. </a:t>
-            </a:r>
+            <a:endParaRPr lang="de-DE" dirty="0"/>
           </a:p>
           <a:p>
             <a:pPr>
@@ -1945,19 +2184,314 @@
             </a:pPr>
             <a:endParaRPr lang="de-DE" dirty="0"/>
           </a:p>
-          <a:p>
-            <a:pPr>
-              <a:lnSpc>
-                <a:spcPct val="100000"/>
-              </a:lnSpc>
-              <a:spcBef>
-                <a:spcPts val="1000"/>
-              </a:spcBef>
-            </a:pPr>
-            <a:endParaRPr lang="de-DE" dirty="0"/>
-          </a:p>
         </p:txBody>
       </p:sp>
+      <p:sp>
+        <p:nvSpPr>
+          <p:cNvPr id="3" name="Fußzeilenplatzhalter 19"/>
+          <p:cNvSpPr txBox="1">
+            <a:spLocks/>
+          </p:cNvSpPr>
+          <p:nvPr/>
+        </p:nvSpPr>
+        <p:spPr>
+          <a:xfrm>
+            <a:off x="2018848" y="4754755"/>
+            <a:ext cx="4625270" cy="283817"/>
+          </a:xfrm>
+          <a:prstGeom prst="rect">
+            <a:avLst/>
+          </a:prstGeom>
+        </p:spPr>
+        <p:txBody>
+          <a:bodyPr/>
+          <a:lstStyle>
+            <a:defPPr>
+              <a:defRPr lang="de-DE"/>
+            </a:defPPr>
+            <a:lvl1pPr marL="0" algn="l" defTabSz="403388" rtl="0" eaLnBrk="1" latinLnBrk="0" hangingPunct="1">
+              <a:defRPr sz="1600" kern="1200">
+                <a:solidFill>
+                  <a:schemeClr val="tx1"/>
+                </a:solidFill>
+                <a:latin typeface="+mn-lt"/>
+                <a:ea typeface="+mn-ea"/>
+                <a:cs typeface="+mn-cs"/>
+              </a:defRPr>
+            </a:lvl1pPr>
+            <a:lvl2pPr marL="403388" algn="l" defTabSz="403388" rtl="0" eaLnBrk="1" latinLnBrk="0" hangingPunct="1">
+              <a:defRPr sz="1600" kern="1200">
+                <a:solidFill>
+                  <a:schemeClr val="tx1"/>
+                </a:solidFill>
+                <a:latin typeface="+mn-lt"/>
+                <a:ea typeface="+mn-ea"/>
+                <a:cs typeface="+mn-cs"/>
+              </a:defRPr>
+            </a:lvl2pPr>
+            <a:lvl3pPr marL="806775" algn="l" defTabSz="403388" rtl="0" eaLnBrk="1" latinLnBrk="0" hangingPunct="1">
+              <a:defRPr sz="1600" kern="1200">
+                <a:solidFill>
+                  <a:schemeClr val="tx1"/>
+                </a:solidFill>
+                <a:latin typeface="+mn-lt"/>
+                <a:ea typeface="+mn-ea"/>
+                <a:cs typeface="+mn-cs"/>
+              </a:defRPr>
+            </a:lvl3pPr>
+            <a:lvl4pPr marL="1210163" algn="l" defTabSz="403388" rtl="0" eaLnBrk="1" latinLnBrk="0" hangingPunct="1">
+              <a:defRPr sz="1600" kern="1200">
+                <a:solidFill>
+                  <a:schemeClr val="tx1"/>
+                </a:solidFill>
+                <a:latin typeface="+mn-lt"/>
+                <a:ea typeface="+mn-ea"/>
+                <a:cs typeface="+mn-cs"/>
+              </a:defRPr>
+            </a:lvl4pPr>
+            <a:lvl5pPr marL="1613550" algn="l" defTabSz="403388" rtl="0" eaLnBrk="1" latinLnBrk="0" hangingPunct="1">
+              <a:defRPr sz="1600" kern="1200">
+                <a:solidFill>
+                  <a:schemeClr val="tx1"/>
+                </a:solidFill>
+                <a:latin typeface="+mn-lt"/>
+                <a:ea typeface="+mn-ea"/>
+                <a:cs typeface="+mn-cs"/>
+              </a:defRPr>
+            </a:lvl5pPr>
+            <a:lvl6pPr marL="2016938" algn="l" defTabSz="403388" rtl="0" eaLnBrk="1" latinLnBrk="0" hangingPunct="1">
+              <a:defRPr sz="1600" kern="1200">
+                <a:solidFill>
+                  <a:schemeClr val="tx1"/>
+                </a:solidFill>
+                <a:latin typeface="+mn-lt"/>
+                <a:ea typeface="+mn-ea"/>
+                <a:cs typeface="+mn-cs"/>
+              </a:defRPr>
+            </a:lvl6pPr>
+            <a:lvl7pPr marL="2420325" algn="l" defTabSz="403388" rtl="0" eaLnBrk="1" latinLnBrk="0" hangingPunct="1">
+              <a:defRPr sz="1600" kern="1200">
+                <a:solidFill>
+                  <a:schemeClr val="tx1"/>
+                </a:solidFill>
+                <a:latin typeface="+mn-lt"/>
+                <a:ea typeface="+mn-ea"/>
+                <a:cs typeface="+mn-cs"/>
+              </a:defRPr>
+            </a:lvl7pPr>
+            <a:lvl8pPr marL="2823713" algn="l" defTabSz="403388" rtl="0" eaLnBrk="1" latinLnBrk="0" hangingPunct="1">
+              <a:defRPr sz="1600" kern="1200">
+                <a:solidFill>
+                  <a:schemeClr val="tx1"/>
+                </a:solidFill>
+                <a:latin typeface="+mn-lt"/>
+                <a:ea typeface="+mn-ea"/>
+                <a:cs typeface="+mn-cs"/>
+              </a:defRPr>
+            </a:lvl8pPr>
+            <a:lvl9pPr marL="3227100" algn="l" defTabSz="403388" rtl="0" eaLnBrk="1" latinLnBrk="0" hangingPunct="1">
+              <a:defRPr sz="1600" kern="1200">
+                <a:solidFill>
+                  <a:schemeClr val="tx1"/>
+                </a:solidFill>
+                <a:latin typeface="+mn-lt"/>
+                <a:ea typeface="+mn-ea"/>
+                <a:cs typeface="+mn-cs"/>
+              </a:defRPr>
+            </a:lvl9pPr>
+          </a:lstStyle>
+          <a:p>
+            <a:pPr algn="r"/>
+            <a:r>
+              <a:rPr lang="de-DE" sz="900" baseline="30000" dirty="0" smtClean="0">
+                <a:solidFill>
+                  <a:schemeClr val="bg1">
+                    <a:lumMod val="65000"/>
+                  </a:schemeClr>
+                </a:solidFill>
+              </a:rPr>
+              <a:t>2</a:t>
+            </a:r>
+            <a:r>
+              <a:rPr lang="de-DE" sz="900" dirty="0" smtClean="0">
+                <a:solidFill>
+                  <a:schemeClr val="bg1">
+                    <a:lumMod val="65000"/>
+                  </a:schemeClr>
+                </a:solidFill>
+              </a:rPr>
+              <a:t> </a:t>
+            </a:r>
+            <a:r>
+              <a:rPr lang="de-DE" sz="900" dirty="0" err="1" smtClean="0">
+                <a:solidFill>
+                  <a:schemeClr val="bg1">
+                    <a:lumMod val="65000"/>
+                  </a:schemeClr>
+                </a:solidFill>
+              </a:rPr>
+              <a:t>Noteborg</a:t>
+            </a:r>
+            <a:r>
+              <a:rPr lang="de-DE" sz="900" dirty="0" smtClean="0">
+                <a:solidFill>
+                  <a:schemeClr val="bg1">
+                    <a:lumMod val="65000"/>
+                  </a:schemeClr>
+                </a:solidFill>
+              </a:rPr>
+              <a:t>, S. (2010): </a:t>
+            </a:r>
+            <a:r>
+              <a:rPr lang="de-DE" sz="900" dirty="0" err="1" smtClean="0">
+                <a:solidFill>
+                  <a:schemeClr val="bg1">
+                    <a:lumMod val="65000"/>
+                  </a:schemeClr>
+                </a:solidFill>
+              </a:rPr>
+              <a:t>Pomodoro</a:t>
+            </a:r>
+            <a:r>
+              <a:rPr lang="de-DE" sz="900" dirty="0" smtClean="0">
+                <a:solidFill>
+                  <a:schemeClr val="bg1">
+                    <a:lumMod val="65000"/>
+                  </a:schemeClr>
+                </a:solidFill>
+              </a:rPr>
+              <a:t> </a:t>
+            </a:r>
+            <a:r>
+              <a:rPr lang="de-DE" sz="900" dirty="0" err="1">
+                <a:solidFill>
+                  <a:schemeClr val="bg1">
+                    <a:lumMod val="65000"/>
+                  </a:schemeClr>
+                </a:solidFill>
+              </a:rPr>
+              <a:t>Technique</a:t>
+            </a:r>
+            <a:r>
+              <a:rPr lang="de-DE" sz="900" dirty="0">
+                <a:solidFill>
+                  <a:schemeClr val="bg1">
+                    <a:lumMod val="65000"/>
+                  </a:schemeClr>
+                </a:solidFill>
+              </a:rPr>
+              <a:t> </a:t>
+            </a:r>
+            <a:r>
+              <a:rPr lang="de-DE" sz="900" dirty="0" err="1" smtClean="0">
+                <a:solidFill>
+                  <a:schemeClr val="bg1">
+                    <a:lumMod val="65000"/>
+                  </a:schemeClr>
+                </a:solidFill>
+              </a:rPr>
+              <a:t>Illustrated</a:t>
+            </a:r>
+            <a:r>
+              <a:rPr lang="de-DE" sz="900" dirty="0" smtClean="0">
+                <a:solidFill>
+                  <a:schemeClr val="bg1">
+                    <a:lumMod val="65000"/>
+                  </a:schemeClr>
+                </a:solidFill>
+              </a:rPr>
+              <a:t>, </a:t>
+            </a:r>
+            <a:r>
+              <a:rPr lang="de-DE" sz="900" dirty="0">
+                <a:solidFill>
+                  <a:schemeClr val="bg1">
+                    <a:lumMod val="65000"/>
+                  </a:schemeClr>
+                </a:solidFill>
+              </a:rPr>
+              <a:t>The </a:t>
+            </a:r>
+            <a:r>
+              <a:rPr lang="de-DE" sz="900" dirty="0" err="1">
+                <a:solidFill>
+                  <a:schemeClr val="bg1">
+                    <a:lumMod val="65000"/>
+                  </a:schemeClr>
+                </a:solidFill>
+              </a:rPr>
+              <a:t>Pragmatic</a:t>
+            </a:r>
+            <a:r>
+              <a:rPr lang="de-DE" sz="900" dirty="0">
+                <a:solidFill>
+                  <a:schemeClr val="bg1">
+                    <a:lumMod val="65000"/>
+                  </a:schemeClr>
+                </a:solidFill>
+              </a:rPr>
+              <a:t> </a:t>
+            </a:r>
+            <a:r>
+              <a:rPr lang="de-DE" sz="900" dirty="0" err="1">
+                <a:solidFill>
+                  <a:schemeClr val="bg1">
+                    <a:lumMod val="65000"/>
+                  </a:schemeClr>
+                </a:solidFill>
+              </a:rPr>
+              <a:t>Programmers</a:t>
+            </a:r>
+            <a:r>
+              <a:rPr lang="de-DE" sz="900" dirty="0">
+                <a:solidFill>
+                  <a:schemeClr val="bg1">
+                    <a:lumMod val="65000"/>
+                  </a:schemeClr>
+                </a:solidFill>
+              </a:rPr>
+              <a:t> </a:t>
+            </a:r>
+            <a:endParaRPr lang="de-DE" sz="900" dirty="0">
+              <a:solidFill>
+                <a:schemeClr val="bg1">
+                  <a:lumMod val="65000"/>
+                </a:schemeClr>
+              </a:solidFill>
+            </a:endParaRPr>
+          </a:p>
+        </p:txBody>
+      </p:sp>
+      <p:pic>
+        <p:nvPicPr>
+          <p:cNvPr id="4" name="Bild 3" descr="apprentice.pdf"/>
+          <p:cNvPicPr>
+            <a:picLocks noChangeAspect="1"/>
+          </p:cNvPicPr>
+          <p:nvPr/>
+        </p:nvPicPr>
+        <p:blipFill>
+          <a:blip r:embed="rId2">
+            <a:extLst>
+              <a:ext uri="{28A0092B-C50C-407E-A947-70E740481C1C}">
+                <a14:useLocalDpi xmlns:a14="http://schemas.microsoft.com/office/drawing/2010/main" val="0"/>
+              </a:ext>
+            </a:extLst>
+          </a:blip>
+          <a:stretch>
+            <a:fillRect/>
+          </a:stretch>
+        </p:blipFill>
+        <p:spPr>
+          <a:xfrm>
+            <a:off x="6136920" y="3772306"/>
+            <a:ext cx="939800" cy="914400"/>
+          </a:xfrm>
+          <a:prstGeom prst="rect">
+            <a:avLst/>
+          </a:prstGeom>
+        </p:spPr>
+      </p:pic>
     </p:spTree>
     <p:extLst>
       <p:ext uri="{BB962C8B-B14F-4D97-AF65-F5344CB8AC3E}">

--- a/agile moves/Tomatoes (TOM)/ger/apprentice/ger_TOM_02_Bin_in_einer_tomate_AM_A.pptx
+++ b/agile moves/Tomatoes (TOM)/ger/apprentice/ger_TOM_02_Bin_in_einer_tomate_AM_A.pptx
@@ -105,6 +105,22 @@
       </a:defRPr>
     </a:lvl9pPr>
   </p:defaultTextStyle>
+  <p:extLst>
+    <p:ext uri="{EFAFB233-063F-42B5-8137-9DF3F51BA10A}">
+      <p15:sldGuideLst xmlns:p15="http://schemas.microsoft.com/office/powerpoint/2012/main">
+        <p15:guide id="1" orient="horz" pos="1103">
+          <p15:clr>
+            <a:srgbClr val="A4A3A4"/>
+          </p15:clr>
+        </p15:guide>
+        <p15:guide id="2" pos="772">
+          <p15:clr>
+            <a:srgbClr val="A4A3A4"/>
+          </p15:clr>
+        </p15:guide>
+      </p15:sldGuideLst>
+    </p:ext>
+  </p:extLst>
 </p:presentation>
 </file>
 
@@ -725,7 +741,7 @@
           <a:p>
             <a:fld id="{FF5B2BAF-DF38-0A48-A798-0C06E514FD52}" type="datetimeFigureOut">
               <a:rPr lang="de-DE" smtClean="0"/>
-              <a:t>14.08.15</a:t>
+              <a:t>15.08.2015</a:t>
             </a:fld>
             <a:endParaRPr lang="de-DE" dirty="0"/>
           </a:p>
@@ -995,7 +1011,7 @@
           <a:p>
             <a:fld id="{FF5B2BAF-DF38-0A48-A798-0C06E514FD52}" type="datetimeFigureOut">
               <a:rPr lang="de-DE" smtClean="0"/>
-              <a:t>14.08.15</a:t>
+              <a:t>15.08.2015</a:t>
             </a:fld>
             <a:endParaRPr lang="de-DE" dirty="0"/>
           </a:p>
@@ -2154,7 +2170,7 @@
             </a:r>
             <a:r>
               <a:rPr lang="de-DE" sz="1200" dirty="0" smtClean="0"/>
-              <a:t>acht </a:t>
+              <a:t>zwölf </a:t>
             </a:r>
             <a:r>
               <a:rPr lang="de-DE" sz="1200" dirty="0"/>
@@ -2452,13 +2468,6 @@
               </a:rPr>
               <a:t> </a:t>
             </a:r>
-            <a:endParaRPr lang="de-DE" sz="900" dirty="0">
-              <a:solidFill>
-                <a:schemeClr val="bg1">
-                  <a:lumMod val="65000"/>
-                </a:schemeClr>
-              </a:solidFill>
-            </a:endParaRPr>
           </a:p>
         </p:txBody>
       </p:sp>
